--- a/Documenten/PitchPP.pptx
+++ b/Documenten/PitchPP.pptx
@@ -6,9 +6,11 @@
   </p:sldMasterIdLst>
   <p:sldIdLst>
     <p:sldId id="256" r:id="rId2"/>
-    <p:sldId id="257" r:id="rId3"/>
-    <p:sldId id="258" r:id="rId4"/>
-    <p:sldId id="259" r:id="rId5"/>
+    <p:sldId id="258" r:id="rId3"/>
+    <p:sldId id="259" r:id="rId4"/>
+    <p:sldId id="260" r:id="rId5"/>
+    <p:sldId id="261" r:id="rId6"/>
+    <p:sldId id="262" r:id="rId7"/>
   </p:sldIdLst>
   <p:sldSz cx="12192000" cy="6858000"/>
   <p:notesSz cx="6858000" cy="9144000"/>
@@ -107,6 +109,25 @@
       </a:defRPr>
     </a:lvl9pPr>
   </p:defaultTextStyle>
+  <p:extLst>
+    <p:ext uri="{521415D9-36F7-43E2-AB2F-B90AF26B5E84}">
+      <p14:sectionLst xmlns:p14="http://schemas.microsoft.com/office/powerpoint/2010/main">
+        <p14:section name="Standaardsectie" id="{3D8E7B14-3E67-4DEA-BF14-806BEC374179}">
+          <p14:sldIdLst>
+            <p14:sldId id="256"/>
+            <p14:sldId id="258"/>
+            <p14:sldId id="259"/>
+            <p14:sldId id="260"/>
+            <p14:sldId id="261"/>
+            <p14:sldId id="262"/>
+          </p14:sldIdLst>
+        </p14:section>
+      </p14:sectionLst>
+    </p:ext>
+    <p:ext uri="{EFAFB233-063F-42B5-8137-9DF3F51BA10A}">
+      <p15:sldGuideLst xmlns:p15="http://schemas.microsoft.com/office/powerpoint/2012/main"/>
+    </p:ext>
+  </p:extLst>
 </p:presentation>
 </file>
 
@@ -279,7 +300,7 @@
           <a:p>
             <a:fld id="{8BE1775A-DFED-4452-82B7-D5D7E2A49383}" type="datetimeFigureOut">
               <a:rPr lang="nl-NL" smtClean="0"/>
-              <a:t>3-9-2019</a:t>
+              <a:t>5-9-2019</a:t>
             </a:fld>
             <a:endParaRPr lang="nl-NL"/>
           </a:p>
@@ -609,7 +630,7 @@
           <a:p>
             <a:fld id="{8BE1775A-DFED-4452-82B7-D5D7E2A49383}" type="datetimeFigureOut">
               <a:rPr lang="nl-NL" smtClean="0"/>
-              <a:t>3-9-2019</a:t>
+              <a:t>5-9-2019</a:t>
             </a:fld>
             <a:endParaRPr lang="nl-NL"/>
           </a:p>
@@ -789,7 +810,7 @@
           <a:p>
             <a:fld id="{8BE1775A-DFED-4452-82B7-D5D7E2A49383}" type="datetimeFigureOut">
               <a:rPr lang="nl-NL" smtClean="0"/>
-              <a:t>3-9-2019</a:t>
+              <a:t>5-9-2019</a:t>
             </a:fld>
             <a:endParaRPr lang="nl-NL"/>
           </a:p>
@@ -959,7 +980,7 @@
           <a:p>
             <a:fld id="{8BE1775A-DFED-4452-82B7-D5D7E2A49383}" type="datetimeFigureOut">
               <a:rPr lang="nl-NL" smtClean="0"/>
-              <a:t>3-9-2019</a:t>
+              <a:t>5-9-2019</a:t>
             </a:fld>
             <a:endParaRPr lang="nl-NL"/>
           </a:p>
@@ -1236,7 +1257,7 @@
           <a:p>
             <a:fld id="{8BE1775A-DFED-4452-82B7-D5D7E2A49383}" type="datetimeFigureOut">
               <a:rPr lang="nl-NL" smtClean="0"/>
-              <a:t>3-9-2019</a:t>
+              <a:t>5-9-2019</a:t>
             </a:fld>
             <a:endParaRPr lang="nl-NL"/>
           </a:p>
@@ -1630,7 +1651,7 @@
           <a:p>
             <a:fld id="{8BE1775A-DFED-4452-82B7-D5D7E2A49383}" type="datetimeFigureOut">
               <a:rPr lang="nl-NL" smtClean="0"/>
-              <a:t>3-9-2019</a:t>
+              <a:t>5-9-2019</a:t>
             </a:fld>
             <a:endParaRPr lang="nl-NL"/>
           </a:p>
@@ -2107,7 +2128,7 @@
           <a:p>
             <a:fld id="{8BE1775A-DFED-4452-82B7-D5D7E2A49383}" type="datetimeFigureOut">
               <a:rPr lang="nl-NL" smtClean="0"/>
-              <a:t>3-9-2019</a:t>
+              <a:t>5-9-2019</a:t>
             </a:fld>
             <a:endParaRPr lang="nl-NL"/>
           </a:p>
@@ -2225,7 +2246,7 @@
           <a:p>
             <a:fld id="{8BE1775A-DFED-4452-82B7-D5D7E2A49383}" type="datetimeFigureOut">
               <a:rPr lang="nl-NL" smtClean="0"/>
-              <a:t>3-9-2019</a:t>
+              <a:t>5-9-2019</a:t>
             </a:fld>
             <a:endParaRPr lang="nl-NL"/>
           </a:p>
@@ -2320,7 +2341,7 @@
           <a:p>
             <a:fld id="{8BE1775A-DFED-4452-82B7-D5D7E2A49383}" type="datetimeFigureOut">
               <a:rPr lang="nl-NL" smtClean="0"/>
-              <a:t>3-9-2019</a:t>
+              <a:t>5-9-2019</a:t>
             </a:fld>
             <a:endParaRPr lang="nl-NL"/>
           </a:p>
@@ -2666,7 +2687,7 @@
           <a:p>
             <a:fld id="{8BE1775A-DFED-4452-82B7-D5D7E2A49383}" type="datetimeFigureOut">
               <a:rPr lang="nl-NL" smtClean="0"/>
-              <a:t>3-9-2019</a:t>
+              <a:t>5-9-2019</a:t>
             </a:fld>
             <a:endParaRPr lang="nl-NL"/>
           </a:p>
@@ -3054,7 +3075,7 @@
           <a:p>
             <a:fld id="{8BE1775A-DFED-4452-82B7-D5D7E2A49383}" type="datetimeFigureOut">
               <a:rPr lang="nl-NL" smtClean="0"/>
-              <a:t>3-9-2019</a:t>
+              <a:t>5-9-2019</a:t>
             </a:fld>
             <a:endParaRPr lang="nl-NL"/>
           </a:p>
@@ -3332,7 +3353,7 @@
           <a:p>
             <a:fld id="{8BE1775A-DFED-4452-82B7-D5D7E2A49383}" type="datetimeFigureOut">
               <a:rPr lang="nl-NL" smtClean="0"/>
-              <a:t>3-9-2019</a:t>
+              <a:t>5-9-2019</a:t>
             </a:fld>
             <a:endParaRPr lang="nl-NL"/>
           </a:p>
@@ -3945,7 +3966,7 @@
           <p:cNvPr id="2" name="Titel 1">
             <a:extLst>
               <a:ext uri="{FF2B5EF4-FFF2-40B4-BE49-F238E27FC236}">
-                <a16:creationId xmlns:a16="http://schemas.microsoft.com/office/drawing/2014/main" id="{7346F694-DAF0-4036-B749-D0BC7D8FC700}"/>
+                <a16:creationId xmlns:a16="http://schemas.microsoft.com/office/drawing/2014/main" id="{257C8F51-5E17-430A-9810-431D71A5CAF6}"/>
               </a:ext>
             </a:extLst>
           </p:cNvPr>
@@ -3962,13 +3983,13 @@
           <a:lstStyle/>
           <a:p>
             <a:r>
-              <a:rPr lang="nl-NL" dirty="0" err="1"/>
-              <a:t>Restfull</a:t>
-            </a:r>
-            <a:r>
               <a:rPr lang="nl-NL" dirty="0"/>
-              <a:t> API</a:t>
-            </a:r>
+              <a:t>BPV coördinators</a:t>
+            </a:r>
+            <a:br>
+              <a:rPr lang="nl-NL" b="1" dirty="0"/>
+            </a:br>
+            <a:endParaRPr lang="nl-NL" dirty="0"/>
           </a:p>
         </p:txBody>
       </p:sp>
@@ -3977,7 +3998,7 @@
           <p:cNvPr id="3" name="Tijdelijke aanduiding voor inhoud 2">
             <a:extLst>
               <a:ext uri="{FF2B5EF4-FFF2-40B4-BE49-F238E27FC236}">
-                <a16:creationId xmlns:a16="http://schemas.microsoft.com/office/drawing/2014/main" id="{6F7ACC4E-1854-4447-AE92-E9F959F4525A}"/>
+                <a16:creationId xmlns:a16="http://schemas.microsoft.com/office/drawing/2014/main" id="{80873EB6-5064-4D5C-8B93-187DDDE050E4}"/>
               </a:ext>
             </a:extLst>
           </p:cNvPr>
@@ -3988,27 +4009,51 @@
             <p:ph idx="1"/>
           </p:nvPr>
         </p:nvSpPr>
-        <p:spPr/>
-        <p:txBody>
-          <a:bodyPr/>
+        <p:spPr>
+          <a:xfrm>
+            <a:off x="1371600" y="2095130"/>
+            <a:ext cx="9601200" cy="4252404"/>
+          </a:xfrm>
+        </p:spPr>
+        <p:txBody>
+          <a:bodyPr>
+            <a:normAutofit/>
+          </a:bodyPr>
           <a:lstStyle/>
           <a:p>
             <a:r>
               <a:rPr lang="nl-NL" dirty="0"/>
-              <a:t>http</a:t>
-            </a:r>
-          </a:p>
-          <a:p>
-            <a:r>
-              <a:rPr lang="nl-NL" dirty="0" err="1"/>
-              <a:t>Webservice</a:t>
-            </a:r>
-            <a:endParaRPr lang="nl-NL" dirty="0"/>
+              <a:t>Overzicht van alle bedrijven op kaart en list view met bijbehorende bedrijf informatie</a:t>
+            </a:r>
           </a:p>
           <a:p>
             <a:r>
               <a:rPr lang="nl-NL" dirty="0"/>
-              <a:t>Get, put, post, delete</a:t>
+              <a:t>Studenten die er stage lopen</a:t>
+            </a:r>
+          </a:p>
+          <a:p>
+            <a:r>
+              <a:rPr lang="nl-NL" dirty="0"/>
+              <a:t>Student afgewezen</a:t>
+            </a:r>
+          </a:p>
+          <a:p>
+            <a:r>
+              <a:rPr lang="nl-NL" dirty="0"/>
+              <a:t>Stage contracten inzien</a:t>
+            </a:r>
+          </a:p>
+          <a:p>
+            <a:r>
+              <a:rPr lang="nl-NL" dirty="0"/>
+              <a:t>Chatfunctie met bedrijven</a:t>
+            </a:r>
+          </a:p>
+          <a:p>
+            <a:r>
+              <a:rPr lang="nl-NL" dirty="0"/>
+              <a:t>Notities per bedrijf</a:t>
             </a:r>
           </a:p>
           <a:p>
@@ -4019,7 +4064,7 @@
     </p:spTree>
     <p:extLst>
       <p:ext uri="{BB962C8B-B14F-4D97-AF65-F5344CB8AC3E}">
-        <p14:creationId xmlns:p14="http://schemas.microsoft.com/office/powerpoint/2010/main" val="3807668863"/>
+        <p14:creationId xmlns:p14="http://schemas.microsoft.com/office/powerpoint/2010/main" val="4222533321"/>
       </p:ext>
     </p:extLst>
   </p:cSld>
@@ -4051,7 +4096,7 @@
           <p:cNvPr id="2" name="Titel 1">
             <a:extLst>
               <a:ext uri="{FF2B5EF4-FFF2-40B4-BE49-F238E27FC236}">
-                <a16:creationId xmlns:a16="http://schemas.microsoft.com/office/drawing/2014/main" id="{257C8F51-5E17-430A-9810-431D71A5CAF6}"/>
+                <a16:creationId xmlns:a16="http://schemas.microsoft.com/office/drawing/2014/main" id="{7BCDDD4B-BE30-4074-959D-AE046C898A96}"/>
               </a:ext>
             </a:extLst>
           </p:cNvPr>
@@ -4069,13 +4114,8 @@
           <a:p>
             <a:r>
               <a:rPr lang="nl-NL" dirty="0"/>
-              <a:t>User </a:t>
-            </a:r>
-            <a:r>
-              <a:rPr lang="nl-NL" dirty="0" err="1"/>
-              <a:t>stories</a:t>
-            </a:r>
-            <a:endParaRPr lang="nl-NL" dirty="0"/>
+              <a:t>Docenten</a:t>
+            </a:r>
           </a:p>
         </p:txBody>
       </p:sp>
@@ -4084,7 +4124,7 @@
           <p:cNvPr id="3" name="Tijdelijke aanduiding voor inhoud 2">
             <a:extLst>
               <a:ext uri="{FF2B5EF4-FFF2-40B4-BE49-F238E27FC236}">
-                <a16:creationId xmlns:a16="http://schemas.microsoft.com/office/drawing/2014/main" id="{80873EB6-5064-4D5C-8B93-187DDDE050E4}"/>
+                <a16:creationId xmlns:a16="http://schemas.microsoft.com/office/drawing/2014/main" id="{44D4F7D7-B252-4486-B3E6-111AA9C720AC}"/>
               </a:ext>
             </a:extLst>
           </p:cNvPr>
@@ -4097,39 +4137,34 @@
         </p:nvSpPr>
         <p:spPr/>
         <p:txBody>
-          <a:bodyPr/>
+          <a:bodyPr>
+            <a:normAutofit/>
+          </a:bodyPr>
           <a:lstStyle/>
           <a:p>
             <a:r>
-              <a:rPr lang="nl-NL" b="1" dirty="0"/>
-              <a:t>BPV coördinators</a:t>
-            </a:r>
-          </a:p>
-          <a:p>
-            <a:r>
-              <a:rPr lang="nl-NL" b="1" dirty="0"/>
-              <a:t>Docenten</a:t>
-            </a:r>
-          </a:p>
-          <a:p>
-            <a:r>
-              <a:rPr lang="nl-NL" b="1" dirty="0"/>
-              <a:t>Studenten</a:t>
-            </a:r>
-          </a:p>
-          <a:p>
-            <a:r>
-              <a:rPr lang="nl-NL" b="1" dirty="0"/>
-              <a:t>Bedrijven</a:t>
-            </a:r>
-            <a:endParaRPr lang="nl-NL" dirty="0"/>
+              <a:rPr lang="nl-NL" dirty="0"/>
+              <a:t>Zelfde rechten als een BPV coördinator</a:t>
+            </a:r>
+          </a:p>
+          <a:p>
+            <a:r>
+              <a:rPr lang="nl-NL" dirty="0"/>
+              <a:t>Alleen alle informatie van eigen leerlingen beschikbaar</a:t>
+            </a:r>
+          </a:p>
+          <a:p>
+            <a:r>
+              <a:rPr lang="nl-NL" dirty="0"/>
+              <a:t>Chatfunctie met studenten</a:t>
+            </a:r>
           </a:p>
         </p:txBody>
       </p:sp>
     </p:spTree>
     <p:extLst>
       <p:ext uri="{BB962C8B-B14F-4D97-AF65-F5344CB8AC3E}">
-        <p14:creationId xmlns:p14="http://schemas.microsoft.com/office/powerpoint/2010/main" val="4222533321"/>
+        <p14:creationId xmlns:p14="http://schemas.microsoft.com/office/powerpoint/2010/main" val="1162293011"/>
       </p:ext>
     </p:extLst>
   </p:cSld>
@@ -4161,7 +4196,7 @@
           <p:cNvPr id="2" name="Titel 1">
             <a:extLst>
               <a:ext uri="{FF2B5EF4-FFF2-40B4-BE49-F238E27FC236}">
-                <a16:creationId xmlns:a16="http://schemas.microsoft.com/office/drawing/2014/main" id="{3BB9F186-2212-4ADA-84C5-02B132042C01}"/>
+                <a16:creationId xmlns:a16="http://schemas.microsoft.com/office/drawing/2014/main" id="{CDC60FBA-F2CE-4157-A77C-A2B522C70168}"/>
               </a:ext>
             </a:extLst>
           </p:cNvPr>
@@ -4179,7 +4214,7 @@
           <a:p>
             <a:r>
               <a:rPr lang="nl-NL" dirty="0"/>
-              <a:t>MOSCOW</a:t>
+              <a:t>Studenten</a:t>
             </a:r>
           </a:p>
         </p:txBody>
@@ -4189,7 +4224,7 @@
           <p:cNvPr id="3" name="Tijdelijke aanduiding voor inhoud 2">
             <a:extLst>
               <a:ext uri="{FF2B5EF4-FFF2-40B4-BE49-F238E27FC236}">
-                <a16:creationId xmlns:a16="http://schemas.microsoft.com/office/drawing/2014/main" id="{9CF323FC-9B48-4B73-9ECB-8B919DC960B0}"/>
+                <a16:creationId xmlns:a16="http://schemas.microsoft.com/office/drawing/2014/main" id="{DA229A21-8D89-473A-9DA9-F76DE6F8263C}"/>
               </a:ext>
             </a:extLst>
           </p:cNvPr>
@@ -4202,61 +4237,38 @@
         </p:nvSpPr>
         <p:spPr/>
         <p:txBody>
-          <a:bodyPr/>
+          <a:bodyPr>
+            <a:normAutofit/>
+          </a:bodyPr>
           <a:lstStyle/>
           <a:p>
             <a:r>
               <a:rPr lang="nl-NL" dirty="0"/>
-              <a:t>Must </a:t>
-            </a:r>
-            <a:r>
-              <a:rPr lang="nl-NL" dirty="0" err="1"/>
-              <a:t>haves</a:t>
-            </a:r>
-            <a:endParaRPr lang="nl-NL" dirty="0"/>
-          </a:p>
-          <a:p>
-            <a:r>
-              <a:rPr lang="nl-NL" dirty="0" err="1"/>
-              <a:t>Should</a:t>
-            </a:r>
+              <a:t>Overzicht van alle bedrijven op kaart en list view met bijbehorende bedrijf informatie</a:t>
+            </a:r>
+          </a:p>
+          <a:p>
             <a:r>
               <a:rPr lang="nl-NL" dirty="0"/>
-              <a:t> </a:t>
-            </a:r>
-            <a:r>
-              <a:rPr lang="nl-NL" dirty="0" err="1"/>
-              <a:t>haves</a:t>
-            </a:r>
-            <a:endParaRPr lang="nl-NL" dirty="0"/>
-          </a:p>
-          <a:p>
-            <a:r>
-              <a:rPr lang="nl-NL" dirty="0" err="1"/>
-              <a:t>Could</a:t>
-            </a:r>
+              <a:t>Welke studenten er stage lopen</a:t>
+            </a:r>
+          </a:p>
+          <a:p>
             <a:r>
               <a:rPr lang="nl-NL" dirty="0"/>
-              <a:t> </a:t>
-            </a:r>
-            <a:r>
-              <a:rPr lang="nl-NL" dirty="0" err="1"/>
-              <a:t>haves</a:t>
-            </a:r>
-            <a:endParaRPr lang="nl-NL" dirty="0"/>
-          </a:p>
-          <a:p>
-            <a:r>
-              <a:rPr lang="nl-NL" dirty="0" err="1"/>
-              <a:t>Would</a:t>
-            </a:r>
+              <a:t>CV uploaden</a:t>
+            </a:r>
+          </a:p>
+          <a:p>
             <a:r>
               <a:rPr lang="nl-NL" dirty="0"/>
-              <a:t> </a:t>
-            </a:r>
-            <a:r>
-              <a:rPr lang="nl-NL"/>
-              <a:t>haves</a:t>
+              <a:t>Contracten uploaden</a:t>
+            </a:r>
+          </a:p>
+          <a:p>
+            <a:r>
+              <a:rPr lang="nl-NL" dirty="0"/>
+              <a:t>Chatfunctie met docenten en Bedrijven</a:t>
             </a:r>
           </a:p>
         </p:txBody>
@@ -4264,7 +4276,223 @@
     </p:spTree>
     <p:extLst>
       <p:ext uri="{BB962C8B-B14F-4D97-AF65-F5344CB8AC3E}">
-        <p14:creationId xmlns:p14="http://schemas.microsoft.com/office/powerpoint/2010/main" val="1304453143"/>
+        <p14:creationId xmlns:p14="http://schemas.microsoft.com/office/powerpoint/2010/main" val="2276747710"/>
+      </p:ext>
+    </p:extLst>
+  </p:cSld>
+  <p:clrMapOvr>
+    <a:masterClrMapping/>
+  </p:clrMapOvr>
+</p:sld>
+</file>
+
+<file path=ppt/slides/slide5.xml><?xml version="1.0" encoding="utf-8"?>
+<p:sld xmlns:a="http://schemas.openxmlformats.org/drawingml/2006/main" xmlns:r="http://schemas.openxmlformats.org/officeDocument/2006/relationships" xmlns:p="http://schemas.openxmlformats.org/presentationml/2006/main">
+  <p:cSld>
+    <p:spTree>
+      <p:nvGrpSpPr>
+        <p:cNvPr id="1" name=""/>
+        <p:cNvGrpSpPr/>
+        <p:nvPr/>
+      </p:nvGrpSpPr>
+      <p:grpSpPr>
+        <a:xfrm>
+          <a:off x="0" y="0"/>
+          <a:ext cx="0" cy="0"/>
+          <a:chOff x="0" y="0"/>
+          <a:chExt cx="0" cy="0"/>
+        </a:xfrm>
+      </p:grpSpPr>
+      <p:sp>
+        <p:nvSpPr>
+          <p:cNvPr id="2" name="Titel 1">
+            <a:extLst>
+              <a:ext uri="{FF2B5EF4-FFF2-40B4-BE49-F238E27FC236}">
+                <a16:creationId xmlns:a16="http://schemas.microsoft.com/office/drawing/2014/main" id="{5A9A033E-D1F6-470D-A7E1-AFF46342EBC5}"/>
+              </a:ext>
+            </a:extLst>
+          </p:cNvPr>
+          <p:cNvSpPr>
+            <a:spLocks noGrp="1"/>
+          </p:cNvSpPr>
+          <p:nvPr>
+            <p:ph type="title"/>
+          </p:nvPr>
+        </p:nvSpPr>
+        <p:spPr/>
+        <p:txBody>
+          <a:bodyPr/>
+          <a:lstStyle/>
+          <a:p>
+            <a:r>
+              <a:rPr lang="nl-NL" dirty="0"/>
+              <a:t>Bedrijven</a:t>
+            </a:r>
+          </a:p>
+        </p:txBody>
+      </p:sp>
+      <p:sp>
+        <p:nvSpPr>
+          <p:cNvPr id="3" name="Tijdelijke aanduiding voor inhoud 2">
+            <a:extLst>
+              <a:ext uri="{FF2B5EF4-FFF2-40B4-BE49-F238E27FC236}">
+                <a16:creationId xmlns:a16="http://schemas.microsoft.com/office/drawing/2014/main" id="{328C40D5-E2E8-4893-9639-7D2B6425AAF5}"/>
+              </a:ext>
+            </a:extLst>
+          </p:cNvPr>
+          <p:cNvSpPr>
+            <a:spLocks noGrp="1"/>
+          </p:cNvSpPr>
+          <p:nvPr>
+            <p:ph idx="1"/>
+          </p:nvPr>
+        </p:nvSpPr>
+        <p:spPr/>
+        <p:txBody>
+          <a:bodyPr/>
+          <a:lstStyle/>
+          <a:p>
+            <a:r>
+              <a:rPr lang="nl-NL" dirty="0"/>
+              <a:t>Toegang tot eigen bedrijfspagina waar hun informatie kunnen invullen/wijzigen</a:t>
+            </a:r>
+          </a:p>
+          <a:p>
+            <a:r>
+              <a:rPr lang="nl-NL" dirty="0"/>
+              <a:t>Meldingen voor studenten die geïnteresseerd zijn</a:t>
+            </a:r>
+          </a:p>
+          <a:p>
+            <a:r>
+              <a:rPr lang="nl-NL" dirty="0"/>
+              <a:t>Chatfunctie met studenten</a:t>
+            </a:r>
+          </a:p>
+        </p:txBody>
+      </p:sp>
+    </p:spTree>
+    <p:extLst>
+      <p:ext uri="{BB962C8B-B14F-4D97-AF65-F5344CB8AC3E}">
+        <p14:creationId xmlns:p14="http://schemas.microsoft.com/office/powerpoint/2010/main" val="2071958853"/>
+      </p:ext>
+    </p:extLst>
+  </p:cSld>
+  <p:clrMapOvr>
+    <a:masterClrMapping/>
+  </p:clrMapOvr>
+</p:sld>
+</file>
+
+<file path=ppt/slides/slide6.xml><?xml version="1.0" encoding="utf-8"?>
+<p:sld xmlns:a="http://schemas.openxmlformats.org/drawingml/2006/main" xmlns:r="http://schemas.openxmlformats.org/officeDocument/2006/relationships" xmlns:p="http://schemas.openxmlformats.org/presentationml/2006/main">
+  <p:cSld>
+    <p:spTree>
+      <p:nvGrpSpPr>
+        <p:cNvPr id="1" name=""/>
+        <p:cNvGrpSpPr/>
+        <p:nvPr/>
+      </p:nvGrpSpPr>
+      <p:grpSpPr>
+        <a:xfrm>
+          <a:off x="0" y="0"/>
+          <a:ext cx="0" cy="0"/>
+          <a:chOff x="0" y="0"/>
+          <a:chExt cx="0" cy="0"/>
+        </a:xfrm>
+      </p:grpSpPr>
+      <p:sp>
+        <p:nvSpPr>
+          <p:cNvPr id="2" name="Titel 1">
+            <a:extLst>
+              <a:ext uri="{FF2B5EF4-FFF2-40B4-BE49-F238E27FC236}">
+                <a16:creationId xmlns:a16="http://schemas.microsoft.com/office/drawing/2014/main" id="{BE5EAB01-CA7E-4ABE-89CA-D57D4477B21A}"/>
+              </a:ext>
+            </a:extLst>
+          </p:cNvPr>
+          <p:cNvSpPr>
+            <a:spLocks noGrp="1"/>
+          </p:cNvSpPr>
+          <p:nvPr>
+            <p:ph type="title"/>
+          </p:nvPr>
+        </p:nvSpPr>
+        <p:spPr/>
+        <p:txBody>
+          <a:bodyPr/>
+          <a:lstStyle/>
+          <a:p>
+            <a:r>
+              <a:rPr lang="nl-NL" dirty="0"/>
+              <a:t>Voorbeeld bedrijf overzicht</a:t>
+            </a:r>
+          </a:p>
+        </p:txBody>
+      </p:sp>
+      <p:pic>
+        <p:nvPicPr>
+          <p:cNvPr id="4" name="Tijdelijke aanduiding voor inhoud 3">
+            <a:extLst>
+              <a:ext uri="{FF2B5EF4-FFF2-40B4-BE49-F238E27FC236}">
+                <a16:creationId xmlns:a16="http://schemas.microsoft.com/office/drawing/2014/main" id="{56005A26-CAE6-425E-B7F0-CF090118C5E8}"/>
+              </a:ext>
+            </a:extLst>
+          </p:cNvPr>
+          <p:cNvPicPr>
+            <a:picLocks noGrp="1" noChangeAspect="1"/>
+          </p:cNvPicPr>
+          <p:nvPr>
+            <p:ph idx="1"/>
+          </p:nvPr>
+        </p:nvPicPr>
+        <p:blipFill rotWithShape="1">
+          <a:blip r:embed="rId2"/>
+          <a:srcRect l="39976" t="36436" r="31072" b="40137"/>
+          <a:stretch/>
+        </p:blipFill>
+        <p:spPr>
+          <a:xfrm>
+            <a:off x="1356064" y="2171700"/>
+            <a:ext cx="5670951" cy="2581276"/>
+          </a:xfrm>
+          <a:prstGeom prst="rect">
+            <a:avLst/>
+          </a:prstGeom>
+        </p:spPr>
+      </p:pic>
+      <p:pic>
+        <p:nvPicPr>
+          <p:cNvPr id="5" name="Afbeelding 4">
+            <a:extLst>
+              <a:ext uri="{FF2B5EF4-FFF2-40B4-BE49-F238E27FC236}">
+                <a16:creationId xmlns:a16="http://schemas.microsoft.com/office/drawing/2014/main" id="{21AE25E5-AE96-4371-A6CE-521E23480CB0}"/>
+              </a:ext>
+            </a:extLst>
+          </p:cNvPr>
+          <p:cNvPicPr>
+            <a:picLocks noChangeAspect="1"/>
+          </p:cNvPicPr>
+          <p:nvPr/>
+        </p:nvPicPr>
+        <p:blipFill rotWithShape="1">
+          <a:blip r:embed="rId3"/>
+          <a:srcRect t="29028" r="73932" b="5632"/>
+          <a:stretch/>
+        </p:blipFill>
+        <p:spPr>
+          <a:xfrm>
+            <a:off x="7657730" y="2171700"/>
+            <a:ext cx="3178206" cy="4481097"/>
+          </a:xfrm>
+          <a:prstGeom prst="rect">
+            <a:avLst/>
+          </a:prstGeom>
+        </p:spPr>
+      </p:pic>
+    </p:spTree>
+    <p:extLst>
+      <p:ext uri="{BB962C8B-B14F-4D97-AF65-F5344CB8AC3E}">
+        <p14:creationId xmlns:p14="http://schemas.microsoft.com/office/powerpoint/2010/main" val="1369512127"/>
       </p:ext>
     </p:extLst>
   </p:cSld>
